--- a/FinalProject/TranBrian-Presentation.pptx
+++ b/FinalProject/TranBrian-Presentation.pptx
@@ -772,6 +772,7 @@
           <a:p>
             <a:fld id="{9A7D97C4-82AB-4977-A3E6-E68F0CC281C0}" type="datetimeFigureOut">
               <a:rPr lang="en-US" smtClean="0"/>
+              <a:pPr/>
               <a:t>12/15/2016</a:t>
             </a:fld>
             <a:endParaRPr lang="en-US"/>
@@ -832,6 +833,7 @@
           <a:p>
             <a:fld id="{8BECC09A-180A-4E1C-95C8-172BA43EDBF4}" type="slidenum">
               <a:rPr lang="en-US" smtClean="0"/>
+              <a:pPr/>
               <a:t>‹#›</a:t>
             </a:fld>
             <a:endParaRPr lang="en-US"/>
@@ -955,6 +957,7 @@
           <a:p>
             <a:fld id="{9A7D97C4-82AB-4977-A3E6-E68F0CC281C0}" type="datetimeFigureOut">
               <a:rPr lang="en-US" smtClean="0"/>
+              <a:pPr/>
               <a:t>12/15/2016</a:t>
             </a:fld>
             <a:endParaRPr lang="en-US"/>
@@ -997,6 +1000,7 @@
           <a:p>
             <a:fld id="{8BECC09A-180A-4E1C-95C8-172BA43EDBF4}" type="slidenum">
               <a:rPr lang="en-US" smtClean="0"/>
+              <a:pPr/>
               <a:t>‹#›</a:t>
             </a:fld>
             <a:endParaRPr lang="en-US"/>
@@ -1130,6 +1134,7 @@
           <a:p>
             <a:fld id="{9A7D97C4-82AB-4977-A3E6-E68F0CC281C0}" type="datetimeFigureOut">
               <a:rPr lang="en-US" smtClean="0"/>
+              <a:pPr/>
               <a:t>12/15/2016</a:t>
             </a:fld>
             <a:endParaRPr lang="en-US"/>
@@ -1172,6 +1177,7 @@
           <a:p>
             <a:fld id="{8BECC09A-180A-4E1C-95C8-172BA43EDBF4}" type="slidenum">
               <a:rPr lang="en-US" smtClean="0"/>
+              <a:pPr/>
               <a:t>‹#›</a:t>
             </a:fld>
             <a:endParaRPr lang="en-US"/>
@@ -1295,6 +1301,7 @@
           <a:p>
             <a:fld id="{9A7D97C4-82AB-4977-A3E6-E68F0CC281C0}" type="datetimeFigureOut">
               <a:rPr lang="en-US" smtClean="0"/>
+              <a:pPr/>
               <a:t>12/15/2016</a:t>
             </a:fld>
             <a:endParaRPr lang="en-US"/>
@@ -1337,6 +1344,7 @@
           <a:p>
             <a:fld id="{8BECC09A-180A-4E1C-95C8-172BA43EDBF4}" type="slidenum">
               <a:rPr lang="en-US" smtClean="0"/>
+              <a:pPr/>
               <a:t>‹#›</a:t>
             </a:fld>
             <a:endParaRPr lang="en-US"/>
@@ -1516,6 +1524,7 @@
           <a:p>
             <a:fld id="{9A7D97C4-82AB-4977-A3E6-E68F0CC281C0}" type="datetimeFigureOut">
               <a:rPr lang="en-US" smtClean="0"/>
+              <a:pPr/>
               <a:t>12/15/2016</a:t>
             </a:fld>
             <a:endParaRPr lang="en-US"/>
@@ -1558,6 +1567,7 @@
           <a:p>
             <a:fld id="{8BECC09A-180A-4E1C-95C8-172BA43EDBF4}" type="slidenum">
               <a:rPr lang="en-US" smtClean="0"/>
+              <a:pPr/>
               <a:t>‹#›</a:t>
             </a:fld>
             <a:endParaRPr lang="en-US"/>
@@ -1775,6 +1785,7 @@
           <a:p>
             <a:fld id="{9A7D97C4-82AB-4977-A3E6-E68F0CC281C0}" type="datetimeFigureOut">
               <a:rPr lang="en-US" smtClean="0"/>
+              <a:pPr/>
               <a:t>12/15/2016</a:t>
             </a:fld>
             <a:endParaRPr lang="en-US"/>
@@ -1817,6 +1828,7 @@
           <a:p>
             <a:fld id="{8BECC09A-180A-4E1C-95C8-172BA43EDBF4}" type="slidenum">
               <a:rPr lang="en-US" smtClean="0"/>
+              <a:pPr/>
               <a:t>‹#›</a:t>
             </a:fld>
             <a:endParaRPr lang="en-US"/>
@@ -2179,6 +2191,7 @@
           <a:p>
             <a:fld id="{9A7D97C4-82AB-4977-A3E6-E68F0CC281C0}" type="datetimeFigureOut">
               <a:rPr lang="en-US" smtClean="0"/>
+              <a:pPr/>
               <a:t>12/15/2016</a:t>
             </a:fld>
             <a:endParaRPr lang="en-US"/>
@@ -2202,6 +2215,7 @@
           <a:p>
             <a:fld id="{8BECC09A-180A-4E1C-95C8-172BA43EDBF4}" type="slidenum">
               <a:rPr lang="en-US" smtClean="0"/>
+              <a:pPr/>
               <a:t>‹#›</a:t>
             </a:fld>
             <a:endParaRPr lang="en-US"/>
@@ -2310,6 +2324,7 @@
           <a:p>
             <a:fld id="{9A7D97C4-82AB-4977-A3E6-E68F0CC281C0}" type="datetimeFigureOut">
               <a:rPr lang="en-US" smtClean="0"/>
+              <a:pPr/>
               <a:t>12/15/2016</a:t>
             </a:fld>
             <a:endParaRPr lang="en-US"/>
@@ -2362,6 +2377,7 @@
           <a:p>
             <a:fld id="{8BECC09A-180A-4E1C-95C8-172BA43EDBF4}" type="slidenum">
               <a:rPr lang="en-US" smtClean="0"/>
+              <a:pPr/>
               <a:t>‹#›</a:t>
             </a:fld>
             <a:endParaRPr lang="en-US"/>
@@ -2410,6 +2426,7 @@
           <a:p>
             <a:fld id="{9A7D97C4-82AB-4977-A3E6-E68F0CC281C0}" type="datetimeFigureOut">
               <a:rPr lang="en-US" smtClean="0"/>
+              <a:pPr/>
               <a:t>12/15/2016</a:t>
             </a:fld>
             <a:endParaRPr lang="en-US"/>
@@ -2452,6 +2469,7 @@
           <a:p>
             <a:fld id="{8BECC09A-180A-4E1C-95C8-172BA43EDBF4}" type="slidenum">
               <a:rPr lang="en-US" smtClean="0"/>
+              <a:pPr/>
               <a:t>‹#›</a:t>
             </a:fld>
             <a:endParaRPr lang="en-US"/>
@@ -2655,6 +2673,7 @@
           <a:p>
             <a:fld id="{9A7D97C4-82AB-4977-A3E6-E68F0CC281C0}" type="datetimeFigureOut">
               <a:rPr lang="en-US" smtClean="0"/>
+              <a:pPr/>
               <a:t>12/15/2016</a:t>
             </a:fld>
             <a:endParaRPr lang="en-US"/>
@@ -2697,6 +2716,7 @@
           <a:p>
             <a:fld id="{8BECC09A-180A-4E1C-95C8-172BA43EDBF4}" type="slidenum">
               <a:rPr lang="en-US" smtClean="0"/>
+              <a:pPr/>
               <a:t>‹#›</a:t>
             </a:fld>
             <a:endParaRPr lang="en-US"/>
@@ -2899,6 +2919,7 @@
           <a:p>
             <a:fld id="{9A7D97C4-82AB-4977-A3E6-E68F0CC281C0}" type="datetimeFigureOut">
               <a:rPr lang="en-US" smtClean="0"/>
+              <a:pPr/>
               <a:t>12/15/2016</a:t>
             </a:fld>
             <a:endParaRPr lang="en-US"/>
@@ -2941,6 +2962,7 @@
           <a:p>
             <a:fld id="{8BECC09A-180A-4E1C-95C8-172BA43EDBF4}" type="slidenum">
               <a:rPr lang="en-US" smtClean="0"/>
+              <a:pPr/>
               <a:t>‹#›</a:t>
             </a:fld>
             <a:endParaRPr lang="en-US"/>
@@ -3723,6 +3745,7 @@
           <a:p>
             <a:fld id="{9A7D97C4-82AB-4977-A3E6-E68F0CC281C0}" type="datetimeFigureOut">
               <a:rPr lang="en-US" smtClean="0"/>
+              <a:pPr/>
               <a:t>12/15/2016</a:t>
             </a:fld>
             <a:endParaRPr lang="en-US"/>
@@ -3797,6 +3820,7 @@
           <a:p>
             <a:fld id="{8BECC09A-180A-4E1C-95C8-172BA43EDBF4}" type="slidenum">
               <a:rPr lang="en-US" smtClean="0"/>
+              <a:pPr/>
               <a:t>‹#›</a:t>
             </a:fld>
             <a:endParaRPr lang="en-US"/>
@@ -4918,11 +4942,31 @@
           <a:p>
             <a:r>
               <a:rPr lang="en-US" dirty="0" smtClean="0"/>
-              <a:t>Made it far easier to translate server data to </a:t>
-            </a:r>
-            <a:r>
-              <a:rPr lang="en-US" smtClean="0"/>
-              <a:t>client data.</a:t>
+              <a:t>Made it far easier to translate server data to client data</a:t>
+            </a:r>
+            <a:r>
+              <a:rPr lang="en-US" dirty="0" smtClean="0"/>
+              <a:t>.</a:t>
+            </a:r>
+          </a:p>
+          <a:p>
+            <a:r>
+              <a:rPr lang="en-US" dirty="0" smtClean="0"/>
+              <a:t>Compress the data on the server.</a:t>
+            </a:r>
+          </a:p>
+          <a:p>
+            <a:r>
+              <a:rPr lang="en-US" dirty="0" smtClean="0"/>
+              <a:t>Send one single </a:t>
+            </a:r>
+            <a:r>
+              <a:rPr lang="en-US" dirty="0" err="1" smtClean="0"/>
+              <a:t>SignalR</a:t>
+            </a:r>
+            <a:r>
+              <a:rPr lang="en-US" dirty="0" smtClean="0"/>
+              <a:t> message back to the each user via the hub.</a:t>
             </a:r>
             <a:endParaRPr lang="en-US" dirty="0"/>
           </a:p>
@@ -5008,6 +5052,31 @@
                 <a:hlinkClick r:id="rId2"/>
               </a:rPr>
               <a:t>/</a:t>
+            </a:r>
+            <a:endParaRPr lang="en-US" dirty="0" smtClean="0"/>
+          </a:p>
+          <a:p>
+            <a:r>
+              <a:rPr lang="en-US" dirty="0" smtClean="0"/>
+              <a:t>Questions?</a:t>
+            </a:r>
+          </a:p>
+          <a:p>
+            <a:pPr lvl="1"/>
+            <a:r>
+              <a:rPr lang="en-US" dirty="0" smtClean="0"/>
+              <a:t>What can I improve?</a:t>
+            </a:r>
+          </a:p>
+          <a:p>
+            <a:pPr lvl="1"/>
+            <a:r>
+              <a:rPr lang="en-US" dirty="0" smtClean="0"/>
+              <a:t>Client animation vs. </a:t>
+            </a:r>
+            <a:r>
+              <a:rPr lang="en-US" smtClean="0"/>
+              <a:t>server animation?</a:t>
             </a:r>
             <a:endParaRPr lang="en-US" dirty="0" smtClean="0"/>
           </a:p>
